--- a/SDD 관련 자료/작업 결과물/대화 모형도/이전 파일/강의평가질문삭제.pptx
+++ b/SDD 관련 자료/작업 결과물/대화 모형도/이전 파일/강의평가질문삭제.pptx
@@ -6,6 +6,7 @@
   </p:sldMasterIdLst>
   <p:sldIdLst>
     <p:sldId id="257" r:id="rId2"/>
+    <p:sldId id="258" r:id="rId3"/>
   </p:sldIdLst>
   <p:sldSz cx="12192000" cy="6858000"/>
   <p:notesSz cx="6858000" cy="9144000"/>
@@ -241,7 +242,7 @@
           <a:p>
             <a:fld id="{AB5AEB98-3777-4085-A3C9-73A6E37CAD33}" type="datetimeFigureOut">
               <a:rPr lang="ko-KR" altLang="en-US" smtClean="0"/>
-              <a:t>2016-05-24</a:t>
+              <a:t>2016-05-30</a:t>
             </a:fld>
             <a:endParaRPr lang="ko-KR" altLang="en-US"/>
           </a:p>
@@ -409,7 +410,7 @@
           <a:p>
             <a:fld id="{AB5AEB98-3777-4085-A3C9-73A6E37CAD33}" type="datetimeFigureOut">
               <a:rPr lang="ko-KR" altLang="en-US" smtClean="0"/>
-              <a:t>2016-05-24</a:t>
+              <a:t>2016-05-30</a:t>
             </a:fld>
             <a:endParaRPr lang="ko-KR" altLang="en-US"/>
           </a:p>
@@ -587,7 +588,7 @@
           <a:p>
             <a:fld id="{AB5AEB98-3777-4085-A3C9-73A6E37CAD33}" type="datetimeFigureOut">
               <a:rPr lang="ko-KR" altLang="en-US" smtClean="0"/>
-              <a:t>2016-05-24</a:t>
+              <a:t>2016-05-30</a:t>
             </a:fld>
             <a:endParaRPr lang="ko-KR" altLang="en-US"/>
           </a:p>
@@ -755,7 +756,7 @@
           <a:p>
             <a:fld id="{AB5AEB98-3777-4085-A3C9-73A6E37CAD33}" type="datetimeFigureOut">
               <a:rPr lang="ko-KR" altLang="en-US" smtClean="0"/>
-              <a:t>2016-05-24</a:t>
+              <a:t>2016-05-30</a:t>
             </a:fld>
             <a:endParaRPr lang="ko-KR" altLang="en-US"/>
           </a:p>
@@ -1000,7 +1001,7 @@
           <a:p>
             <a:fld id="{AB5AEB98-3777-4085-A3C9-73A6E37CAD33}" type="datetimeFigureOut">
               <a:rPr lang="ko-KR" altLang="en-US" smtClean="0"/>
-              <a:t>2016-05-24</a:t>
+              <a:t>2016-05-30</a:t>
             </a:fld>
             <a:endParaRPr lang="ko-KR" altLang="en-US"/>
           </a:p>
@@ -1229,7 +1230,7 @@
           <a:p>
             <a:fld id="{AB5AEB98-3777-4085-A3C9-73A6E37CAD33}" type="datetimeFigureOut">
               <a:rPr lang="ko-KR" altLang="en-US" smtClean="0"/>
-              <a:t>2016-05-24</a:t>
+              <a:t>2016-05-30</a:t>
             </a:fld>
             <a:endParaRPr lang="ko-KR" altLang="en-US"/>
           </a:p>
@@ -1593,7 +1594,7 @@
           <a:p>
             <a:fld id="{AB5AEB98-3777-4085-A3C9-73A6E37CAD33}" type="datetimeFigureOut">
               <a:rPr lang="ko-KR" altLang="en-US" smtClean="0"/>
-              <a:t>2016-05-24</a:t>
+              <a:t>2016-05-30</a:t>
             </a:fld>
             <a:endParaRPr lang="ko-KR" altLang="en-US"/>
           </a:p>
@@ -1710,7 +1711,7 @@
           <a:p>
             <a:fld id="{AB5AEB98-3777-4085-A3C9-73A6E37CAD33}" type="datetimeFigureOut">
               <a:rPr lang="ko-KR" altLang="en-US" smtClean="0"/>
-              <a:t>2016-05-24</a:t>
+              <a:t>2016-05-30</a:t>
             </a:fld>
             <a:endParaRPr lang="ko-KR" altLang="en-US"/>
           </a:p>
@@ -1805,7 +1806,7 @@
           <a:p>
             <a:fld id="{AB5AEB98-3777-4085-A3C9-73A6E37CAD33}" type="datetimeFigureOut">
               <a:rPr lang="ko-KR" altLang="en-US" smtClean="0"/>
-              <a:t>2016-05-24</a:t>
+              <a:t>2016-05-30</a:t>
             </a:fld>
             <a:endParaRPr lang="ko-KR" altLang="en-US"/>
           </a:p>
@@ -2080,7 +2081,7 @@
           <a:p>
             <a:fld id="{AB5AEB98-3777-4085-A3C9-73A6E37CAD33}" type="datetimeFigureOut">
               <a:rPr lang="ko-KR" altLang="en-US" smtClean="0"/>
-              <a:t>2016-05-24</a:t>
+              <a:t>2016-05-30</a:t>
             </a:fld>
             <a:endParaRPr lang="ko-KR" altLang="en-US"/>
           </a:p>
@@ -2332,7 +2333,7 @@
           <a:p>
             <a:fld id="{AB5AEB98-3777-4085-A3C9-73A6E37CAD33}" type="datetimeFigureOut">
               <a:rPr lang="ko-KR" altLang="en-US" smtClean="0"/>
-              <a:t>2016-05-24</a:t>
+              <a:t>2016-05-30</a:t>
             </a:fld>
             <a:endParaRPr lang="ko-KR" altLang="en-US"/>
           </a:p>
@@ -2543,7 +2544,7 @@
           <a:p>
             <a:fld id="{AB5AEB98-3777-4085-A3C9-73A6E37CAD33}" type="datetimeFigureOut">
               <a:rPr lang="ko-KR" altLang="en-US" smtClean="0"/>
-              <a:t>2016-05-24</a:t>
+              <a:t>2016-05-30</a:t>
             </a:fld>
             <a:endParaRPr lang="ko-KR" altLang="en-US"/>
           </a:p>
@@ -3000,6 +3001,14 @@
               </a:rPr>
               <a:t>강의평가 질문 삭제</a:t>
             </a:r>
+            <a:r>
+              <a:rPr lang="en-US" altLang="ko-KR" sz="1100" dirty="0">
+                <a:solidFill>
+                  <a:sysClr val="windowText" lastClr="000000"/>
+                </a:solidFill>
+              </a:rPr>
+              <a:t/>
+            </a:r>
             <a:br>
               <a:rPr lang="en-US" altLang="ko-KR" sz="1100" dirty="0">
                 <a:solidFill>
@@ -3105,6 +3114,14 @@
                 </a:solidFill>
               </a:rPr>
               <a:t>강의평가 질문 </a:t>
+            </a:r>
+            <a:r>
+              <a:rPr lang="en-US" altLang="ko-KR" sz="1100" dirty="0">
+                <a:solidFill>
+                  <a:sysClr val="windowText" lastClr="000000"/>
+                </a:solidFill>
+              </a:rPr>
+              <a:t/>
             </a:r>
             <a:br>
               <a:rPr lang="en-US" altLang="ko-KR" sz="1100" dirty="0">
@@ -4066,13 +4083,13 @@
       </p:sp>
       <p:sp>
         <p:nvSpPr>
-          <p:cNvPr id="192" name="직사각형 191"/>
+          <p:cNvPr id="209" name="직사각형 208"/>
           <p:cNvSpPr/>
           <p:nvPr/>
         </p:nvSpPr>
         <p:spPr>
           <a:xfrm>
-            <a:off x="4589389" y="260769"/>
+            <a:off x="7355869" y="2639362"/>
             <a:ext cx="1556992" cy="726131"/>
           </a:xfrm>
           <a:prstGeom prst="rect">
@@ -4111,652 +4128,6 @@
             <a:r>
               <a:rPr lang="ko-KR" altLang="en-US" sz="1100" dirty="0">
                 <a:solidFill>
-                  <a:sysClr val="windowText" lastClr="000000"/>
-                </a:solidFill>
-              </a:rPr>
-              <a:t>강의평가 질문 </a:t>
-            </a:r>
-            <a:endParaRPr lang="en-US" altLang="ko-KR" sz="1100" dirty="0">
-              <a:solidFill>
-                <a:sysClr val="windowText" lastClr="000000"/>
-              </a:solidFill>
-            </a:endParaRPr>
-          </a:p>
-          <a:p>
-            <a:pPr algn="ctr"/>
-            <a:r>
-              <a:rPr lang="ko-KR" altLang="en-US" sz="1100" dirty="0">
-                <a:solidFill>
-                  <a:sysClr val="windowText" lastClr="000000"/>
-                </a:solidFill>
-              </a:rPr>
-              <a:t>삭제 화면</a:t>
-            </a:r>
-          </a:p>
-        </p:txBody>
-      </p:sp>
-      <p:sp>
-        <p:nvSpPr>
-          <p:cNvPr id="193" name="직사각형 192"/>
-          <p:cNvSpPr/>
-          <p:nvPr/>
-        </p:nvSpPr>
-        <p:spPr>
-          <a:xfrm>
-            <a:off x="1957218" y="2608977"/>
-            <a:ext cx="1556992" cy="726131"/>
-          </a:xfrm>
-          <a:prstGeom prst="rect">
-            <a:avLst/>
-          </a:prstGeom>
-          <a:noFill/>
-          <a:ln w="31750">
-            <a:solidFill>
-              <a:schemeClr val="accent1">
-                <a:shade val="50000"/>
-              </a:schemeClr>
-            </a:solidFill>
-          </a:ln>
-        </p:spPr>
-        <p:style>
-          <a:lnRef idx="2">
-            <a:schemeClr val="accent1">
-              <a:shade val="50000"/>
-            </a:schemeClr>
-          </a:lnRef>
-          <a:fillRef idx="1">
-            <a:schemeClr val="accent1"/>
-          </a:fillRef>
-          <a:effectRef idx="0">
-            <a:schemeClr val="accent1"/>
-          </a:effectRef>
-          <a:fontRef idx="minor">
-            <a:schemeClr val="lt1"/>
-          </a:fontRef>
-        </p:style>
-        <p:txBody>
-          <a:bodyPr rtlCol="0" anchor="ctr"/>
-          <a:lstStyle/>
-          <a:p>
-            <a:pPr algn="ctr"/>
-            <a:r>
-              <a:rPr lang="ko-KR" altLang="en-US" sz="1100" dirty="0">
-                <a:solidFill>
-                  <a:schemeClr val="tx1"/>
-                </a:solidFill>
-              </a:rPr>
-              <a:t>권한 체크</a:t>
-            </a:r>
-          </a:p>
-        </p:txBody>
-      </p:sp>
-      <p:cxnSp>
-        <p:nvCxnSpPr>
-          <p:cNvPr id="194" name="직선 화살표 연결선 193"/>
-          <p:cNvCxnSpPr>
-            <a:stCxn id="192" idx="2"/>
-            <a:endCxn id="193" idx="0"/>
-          </p:cNvCxnSpPr>
-          <p:nvPr/>
-        </p:nvCxnSpPr>
-        <p:spPr>
-          <a:xfrm flipH="1">
-            <a:off x="2735714" y="986900"/>
-            <a:ext cx="2632171" cy="1622077"/>
-          </a:xfrm>
-          <a:prstGeom prst="straightConnector1">
-            <a:avLst/>
-          </a:prstGeom>
-          <a:ln w="38100">
-            <a:headEnd w="lg" len="lg"/>
-            <a:tailEnd type="triangle"/>
-          </a:ln>
-        </p:spPr>
-        <p:style>
-          <a:lnRef idx="1">
-            <a:schemeClr val="accent1"/>
-          </a:lnRef>
-          <a:fillRef idx="0">
-            <a:schemeClr val="accent1"/>
-          </a:fillRef>
-          <a:effectRef idx="0">
-            <a:schemeClr val="accent1"/>
-          </a:effectRef>
-          <a:fontRef idx="minor">
-            <a:schemeClr val="tx1"/>
-          </a:fontRef>
-        </p:style>
-      </p:cxnSp>
-      <p:sp>
-        <p:nvSpPr>
-          <p:cNvPr id="195" name="직사각형 194"/>
-          <p:cNvSpPr/>
-          <p:nvPr/>
-        </p:nvSpPr>
-        <p:spPr>
-          <a:xfrm>
-            <a:off x="4767694" y="2634065"/>
-            <a:ext cx="1556992" cy="726131"/>
-          </a:xfrm>
-          <a:prstGeom prst="rect">
-            <a:avLst/>
-          </a:prstGeom>
-          <a:noFill/>
-          <a:ln w="31750">
-            <a:solidFill>
-              <a:schemeClr val="accent1">
-                <a:shade val="50000"/>
-              </a:schemeClr>
-            </a:solidFill>
-          </a:ln>
-        </p:spPr>
-        <p:style>
-          <a:lnRef idx="2">
-            <a:schemeClr val="accent1">
-              <a:shade val="50000"/>
-            </a:schemeClr>
-          </a:lnRef>
-          <a:fillRef idx="1">
-            <a:schemeClr val="accent1"/>
-          </a:fillRef>
-          <a:effectRef idx="0">
-            <a:schemeClr val="accent1"/>
-          </a:effectRef>
-          <a:fontRef idx="minor">
-            <a:schemeClr val="lt1"/>
-          </a:fontRef>
-        </p:style>
-        <p:txBody>
-          <a:bodyPr rtlCol="0" anchor="ctr"/>
-          <a:lstStyle/>
-          <a:p>
-            <a:pPr algn="ctr"/>
-            <a:r>
-              <a:rPr lang="ko-KR" altLang="en-US" sz="1100" dirty="0">
-                <a:solidFill>
-                  <a:schemeClr val="tx1"/>
-                </a:solidFill>
-              </a:rPr>
-              <a:t>화면 출력</a:t>
-            </a:r>
-          </a:p>
-        </p:txBody>
-      </p:sp>
-      <p:grpSp>
-        <p:nvGrpSpPr>
-          <p:cNvPr id="196" name="그룹 195"/>
-          <p:cNvGrpSpPr/>
-          <p:nvPr/>
-        </p:nvGrpSpPr>
-        <p:grpSpPr>
-          <a:xfrm rot="5672329">
-            <a:off x="3346306" y="1552944"/>
-            <a:ext cx="465295" cy="429840"/>
-            <a:chOff x="5764817" y="2081712"/>
-            <a:chExt cx="465295" cy="429840"/>
-          </a:xfrm>
-        </p:grpSpPr>
-        <p:sp>
-          <p:nvSpPr>
-            <p:cNvPr id="197" name="타원 196"/>
-            <p:cNvSpPr/>
-            <p:nvPr/>
-          </p:nvSpPr>
-          <p:spPr>
-            <a:xfrm>
-              <a:off x="5764817" y="2081712"/>
-              <a:ext cx="254984" cy="254984"/>
-            </a:xfrm>
-            <a:prstGeom prst="ellipse">
-              <a:avLst/>
-            </a:prstGeom>
-            <a:noFill/>
-            <a:ln w="38100">
-              <a:solidFill>
-                <a:schemeClr val="accent1"/>
-              </a:solidFill>
-            </a:ln>
-          </p:spPr>
-          <p:style>
-            <a:lnRef idx="2">
-              <a:schemeClr val="accent1">
-                <a:shade val="50000"/>
-              </a:schemeClr>
-            </a:lnRef>
-            <a:fillRef idx="1">
-              <a:schemeClr val="accent1"/>
-            </a:fillRef>
-            <a:effectRef idx="0">
-              <a:schemeClr val="accent1"/>
-            </a:effectRef>
-            <a:fontRef idx="minor">
-              <a:schemeClr val="lt1"/>
-            </a:fontRef>
-          </p:style>
-          <p:txBody>
-            <a:bodyPr rtlCol="0" anchor="ctr"/>
-            <a:lstStyle/>
-            <a:p>
-              <a:pPr algn="ctr"/>
-              <a:endParaRPr lang="ko-KR" altLang="en-US"/>
-            </a:p>
-          </p:txBody>
-        </p:sp>
-        <p:cxnSp>
-          <p:nvCxnSpPr>
-            <p:cNvPr id="198" name="직선 연결선 197"/>
-            <p:cNvCxnSpPr>
-              <a:endCxn id="197" idx="5"/>
-            </p:cNvCxnSpPr>
-            <p:nvPr/>
-          </p:nvCxnSpPr>
-          <p:spPr>
-            <a:xfrm flipH="1" flipV="1">
-              <a:off x="5982459" y="2299354"/>
-              <a:ext cx="247653" cy="212198"/>
-            </a:xfrm>
-            <a:prstGeom prst="line">
-              <a:avLst/>
-            </a:prstGeom>
-            <a:ln w="38100">
-              <a:headEnd type="stealth" w="lg" len="lg"/>
-            </a:ln>
-          </p:spPr>
-          <p:style>
-            <a:lnRef idx="1">
-              <a:schemeClr val="accent1"/>
-            </a:lnRef>
-            <a:fillRef idx="0">
-              <a:schemeClr val="accent1"/>
-            </a:fillRef>
-            <a:effectRef idx="0">
-              <a:schemeClr val="accent1"/>
-            </a:effectRef>
-            <a:fontRef idx="minor">
-              <a:schemeClr val="tx1"/>
-            </a:fontRef>
-          </p:style>
-        </p:cxnSp>
-      </p:grpSp>
-      <p:sp>
-        <p:nvSpPr>
-          <p:cNvPr id="199" name="TextBox 198"/>
-          <p:cNvSpPr txBox="1"/>
-          <p:nvPr/>
-        </p:nvSpPr>
-        <p:spPr>
-          <a:xfrm rot="19188507">
-            <a:off x="2870440" y="1457055"/>
-            <a:ext cx="798617" cy="261610"/>
-          </a:xfrm>
-          <a:prstGeom prst="rect">
-            <a:avLst/>
-          </a:prstGeom>
-          <a:noFill/>
-        </p:spPr>
-        <p:txBody>
-          <a:bodyPr wrap="none" rtlCol="0">
-            <a:spAutoFit/>
-          </a:bodyPr>
-          <a:lstStyle/>
-          <a:p>
-            <a:pPr algn="ctr"/>
-            <a:r>
-              <a:rPr lang="ko-KR" altLang="en-US" sz="1100" dirty="0"/>
-              <a:t>권한 정보</a:t>
-            </a:r>
-            <a:endParaRPr lang="ko-KR" altLang="en-US" sz="1600" dirty="0"/>
-          </a:p>
-        </p:txBody>
-      </p:sp>
-      <p:grpSp>
-        <p:nvGrpSpPr>
-          <p:cNvPr id="200" name="그룹 199"/>
-          <p:cNvGrpSpPr/>
-          <p:nvPr/>
-        </p:nvGrpSpPr>
-        <p:grpSpPr>
-          <a:xfrm rot="2052325">
-            <a:off x="5416990" y="1620129"/>
-            <a:ext cx="465295" cy="429840"/>
-            <a:chOff x="5764817" y="2081712"/>
-            <a:chExt cx="465295" cy="429840"/>
-          </a:xfrm>
-        </p:grpSpPr>
-        <p:sp>
-          <p:nvSpPr>
-            <p:cNvPr id="201" name="타원 200"/>
-            <p:cNvSpPr/>
-            <p:nvPr/>
-          </p:nvSpPr>
-          <p:spPr>
-            <a:xfrm>
-              <a:off x="5764817" y="2081712"/>
-              <a:ext cx="254984" cy="254984"/>
-            </a:xfrm>
-            <a:prstGeom prst="ellipse">
-              <a:avLst/>
-            </a:prstGeom>
-            <a:noFill/>
-            <a:ln w="38100">
-              <a:solidFill>
-                <a:schemeClr val="accent1"/>
-              </a:solidFill>
-            </a:ln>
-          </p:spPr>
-          <p:style>
-            <a:lnRef idx="2">
-              <a:schemeClr val="accent1">
-                <a:shade val="50000"/>
-              </a:schemeClr>
-            </a:lnRef>
-            <a:fillRef idx="1">
-              <a:schemeClr val="accent1"/>
-            </a:fillRef>
-            <a:effectRef idx="0">
-              <a:schemeClr val="accent1"/>
-            </a:effectRef>
-            <a:fontRef idx="minor">
-              <a:schemeClr val="lt1"/>
-            </a:fontRef>
-          </p:style>
-          <p:txBody>
-            <a:bodyPr rtlCol="0" anchor="ctr"/>
-            <a:lstStyle/>
-            <a:p>
-              <a:pPr algn="ctr"/>
-              <a:endParaRPr lang="ko-KR" altLang="en-US"/>
-            </a:p>
-          </p:txBody>
-        </p:sp>
-        <p:cxnSp>
-          <p:nvCxnSpPr>
-            <p:cNvPr id="202" name="직선 연결선 201"/>
-            <p:cNvCxnSpPr>
-              <a:endCxn id="201" idx="5"/>
-            </p:cNvCxnSpPr>
-            <p:nvPr/>
-          </p:nvCxnSpPr>
-          <p:spPr>
-            <a:xfrm flipH="1" flipV="1">
-              <a:off x="5982459" y="2299354"/>
-              <a:ext cx="247653" cy="212198"/>
-            </a:xfrm>
-            <a:prstGeom prst="line">
-              <a:avLst/>
-            </a:prstGeom>
-            <a:ln w="38100">
-              <a:headEnd type="stealth" w="lg" len="lg"/>
-            </a:ln>
-          </p:spPr>
-          <p:style>
-            <a:lnRef idx="1">
-              <a:schemeClr val="accent1"/>
-            </a:lnRef>
-            <a:fillRef idx="0">
-              <a:schemeClr val="accent1"/>
-            </a:fillRef>
-            <a:effectRef idx="0">
-              <a:schemeClr val="accent1"/>
-            </a:effectRef>
-            <a:fontRef idx="minor">
-              <a:schemeClr val="tx1"/>
-            </a:fontRef>
-          </p:style>
-        </p:cxnSp>
-      </p:grpSp>
-      <p:sp>
-        <p:nvSpPr>
-          <p:cNvPr id="203" name="TextBox 202"/>
-          <p:cNvSpPr txBox="1"/>
-          <p:nvPr/>
-        </p:nvSpPr>
-        <p:spPr>
-          <a:xfrm rot="4709987">
-            <a:off x="5627935" y="1718996"/>
-            <a:ext cx="657552" cy="261610"/>
-          </a:xfrm>
-          <a:prstGeom prst="rect">
-            <a:avLst/>
-          </a:prstGeom>
-          <a:noFill/>
-        </p:spPr>
-        <p:txBody>
-          <a:bodyPr wrap="none" rtlCol="0">
-            <a:spAutoFit/>
-          </a:bodyPr>
-          <a:lstStyle/>
-          <a:p>
-            <a:pPr algn="ctr"/>
-            <a:r>
-              <a:rPr lang="ko-KR" altLang="en-US" sz="1100" dirty="0"/>
-              <a:t>화면 명</a:t>
-            </a:r>
-            <a:endParaRPr lang="ko-KR" altLang="en-US" sz="1600" dirty="0"/>
-          </a:p>
-        </p:txBody>
-      </p:sp>
-      <p:sp>
-        <p:nvSpPr>
-          <p:cNvPr id="204" name="TextBox 203"/>
-          <p:cNvSpPr txBox="1"/>
-          <p:nvPr/>
-        </p:nvSpPr>
-        <p:spPr>
-          <a:xfrm rot="4709987">
-            <a:off x="4494770" y="1871884"/>
-            <a:ext cx="798617" cy="430887"/>
-          </a:xfrm>
-          <a:prstGeom prst="rect">
-            <a:avLst/>
-          </a:prstGeom>
-          <a:noFill/>
-        </p:spPr>
-        <p:txBody>
-          <a:bodyPr wrap="none" rtlCol="0">
-            <a:spAutoFit/>
-          </a:bodyPr>
-          <a:lstStyle/>
-          <a:p>
-            <a:pPr algn="ctr"/>
-            <a:r>
-              <a:rPr lang="ko-KR" altLang="en-US" sz="1100" dirty="0"/>
-              <a:t>권한 확인</a:t>
-            </a:r>
-            <a:endParaRPr lang="en-US" altLang="ko-KR" sz="1100" dirty="0"/>
-          </a:p>
-          <a:p>
-            <a:pPr algn="ctr"/>
-            <a:r>
-              <a:rPr lang="ko-KR" altLang="en-US" sz="1100" dirty="0"/>
-              <a:t>정보</a:t>
-            </a:r>
-            <a:endParaRPr lang="ko-KR" altLang="en-US" sz="1600" dirty="0"/>
-          </a:p>
-        </p:txBody>
-      </p:sp>
-      <p:cxnSp>
-        <p:nvCxnSpPr>
-          <p:cNvPr id="205" name="직선 화살표 연결선 204"/>
-          <p:cNvCxnSpPr>
-            <a:stCxn id="192" idx="2"/>
-            <a:endCxn id="195" idx="0"/>
-          </p:cNvCxnSpPr>
-          <p:nvPr/>
-        </p:nvCxnSpPr>
-        <p:spPr>
-          <a:xfrm>
-            <a:off x="5367885" y="986900"/>
-            <a:ext cx="178305" cy="1647165"/>
-          </a:xfrm>
-          <a:prstGeom prst="straightConnector1">
-            <a:avLst/>
-          </a:prstGeom>
-          <a:ln w="38100">
-            <a:headEnd w="lg" len="lg"/>
-            <a:tailEnd type="triangle"/>
-          </a:ln>
-        </p:spPr>
-        <p:style>
-          <a:lnRef idx="1">
-            <a:schemeClr val="accent1"/>
-          </a:lnRef>
-          <a:fillRef idx="0">
-            <a:schemeClr val="accent1"/>
-          </a:fillRef>
-          <a:effectRef idx="0">
-            <a:schemeClr val="accent1"/>
-          </a:effectRef>
-          <a:fontRef idx="minor">
-            <a:schemeClr val="tx1"/>
-          </a:fontRef>
-        </p:style>
-      </p:cxnSp>
-      <p:grpSp>
-        <p:nvGrpSpPr>
-          <p:cNvPr id="206" name="그룹 205"/>
-          <p:cNvGrpSpPr/>
-          <p:nvPr/>
-        </p:nvGrpSpPr>
-        <p:grpSpPr>
-          <a:xfrm rot="2228231">
-            <a:off x="4954631" y="1797240"/>
-            <a:ext cx="465295" cy="429840"/>
-            <a:chOff x="5764817" y="2081712"/>
-            <a:chExt cx="465295" cy="429840"/>
-          </a:xfrm>
-        </p:grpSpPr>
-        <p:sp>
-          <p:nvSpPr>
-            <p:cNvPr id="207" name="타원 206"/>
-            <p:cNvSpPr/>
-            <p:nvPr/>
-          </p:nvSpPr>
-          <p:spPr>
-            <a:xfrm>
-              <a:off x="5764817" y="2081712"/>
-              <a:ext cx="254984" cy="254984"/>
-            </a:xfrm>
-            <a:prstGeom prst="ellipse">
-              <a:avLst/>
-            </a:prstGeom>
-            <a:solidFill>
-              <a:schemeClr val="accent1"/>
-            </a:solidFill>
-            <a:ln w="38100">
-              <a:solidFill>
-                <a:schemeClr val="accent1"/>
-              </a:solidFill>
-            </a:ln>
-          </p:spPr>
-          <p:style>
-            <a:lnRef idx="2">
-              <a:schemeClr val="accent1">
-                <a:shade val="50000"/>
-              </a:schemeClr>
-            </a:lnRef>
-            <a:fillRef idx="1">
-              <a:schemeClr val="accent1"/>
-            </a:fillRef>
-            <a:effectRef idx="0">
-              <a:schemeClr val="accent1"/>
-            </a:effectRef>
-            <a:fontRef idx="minor">
-              <a:schemeClr val="lt1"/>
-            </a:fontRef>
-          </p:style>
-          <p:txBody>
-            <a:bodyPr rtlCol="0" anchor="ctr"/>
-            <a:lstStyle/>
-            <a:p>
-              <a:pPr algn="ctr"/>
-              <a:endParaRPr lang="ko-KR" altLang="en-US"/>
-            </a:p>
-          </p:txBody>
-        </p:sp>
-        <p:cxnSp>
-          <p:nvCxnSpPr>
-            <p:cNvPr id="208" name="직선 연결선 207"/>
-            <p:cNvCxnSpPr>
-              <a:endCxn id="207" idx="5"/>
-            </p:cNvCxnSpPr>
-            <p:nvPr/>
-          </p:nvCxnSpPr>
-          <p:spPr>
-            <a:xfrm flipH="1" flipV="1">
-              <a:off x="5982459" y="2299354"/>
-              <a:ext cx="247653" cy="212198"/>
-            </a:xfrm>
-            <a:prstGeom prst="line">
-              <a:avLst/>
-            </a:prstGeom>
-            <a:ln w="38100">
-              <a:headEnd type="stealth" w="lg" len="lg"/>
-            </a:ln>
-          </p:spPr>
-          <p:style>
-            <a:lnRef idx="1">
-              <a:schemeClr val="accent1"/>
-            </a:lnRef>
-            <a:fillRef idx="0">
-              <a:schemeClr val="accent1"/>
-            </a:fillRef>
-            <a:effectRef idx="0">
-              <a:schemeClr val="accent1"/>
-            </a:effectRef>
-            <a:fontRef idx="minor">
-              <a:schemeClr val="tx1"/>
-            </a:fontRef>
-          </p:style>
-        </p:cxnSp>
-      </p:grpSp>
-      <p:sp>
-        <p:nvSpPr>
-          <p:cNvPr id="209" name="직사각형 208"/>
-          <p:cNvSpPr/>
-          <p:nvPr/>
-        </p:nvSpPr>
-        <p:spPr>
-          <a:xfrm>
-            <a:off x="7355869" y="2639362"/>
-            <a:ext cx="1556992" cy="726131"/>
-          </a:xfrm>
-          <a:prstGeom prst="rect">
-            <a:avLst/>
-          </a:prstGeom>
-          <a:noFill/>
-          <a:ln w="31750">
-            <a:solidFill>
-              <a:schemeClr val="accent1">
-                <a:shade val="50000"/>
-              </a:schemeClr>
-            </a:solidFill>
-          </a:ln>
-        </p:spPr>
-        <p:style>
-          <a:lnRef idx="2">
-            <a:schemeClr val="accent1">
-              <a:shade val="50000"/>
-            </a:schemeClr>
-          </a:lnRef>
-          <a:fillRef idx="1">
-            <a:schemeClr val="accent1"/>
-          </a:fillRef>
-          <a:effectRef idx="0">
-            <a:schemeClr val="accent1"/>
-          </a:effectRef>
-          <a:fontRef idx="minor">
-            <a:schemeClr val="lt1"/>
-          </a:fontRef>
-        </p:style>
-        <p:txBody>
-          <a:bodyPr rtlCol="0" anchor="ctr"/>
-          <a:lstStyle/>
-          <a:p>
-            <a:pPr algn="ctr"/>
-            <a:r>
-              <a:rPr lang="ko-KR" altLang="en-US" sz="1100" dirty="0">
-                <a:solidFill>
                   <a:schemeClr val="tx1"/>
                 </a:solidFill>
               </a:rPr>
@@ -4767,317 +4138,6 @@
                 <a:schemeClr val="tx1"/>
               </a:solidFill>
             </a:endParaRPr>
-          </a:p>
-        </p:txBody>
-      </p:sp>
-      <p:cxnSp>
-        <p:nvCxnSpPr>
-          <p:cNvPr id="210" name="직선 화살표 연결선 209"/>
-          <p:cNvCxnSpPr>
-            <a:stCxn id="192" idx="2"/>
-            <a:endCxn id="209" idx="0"/>
-          </p:cNvCxnSpPr>
-          <p:nvPr/>
-        </p:nvCxnSpPr>
-        <p:spPr>
-          <a:xfrm>
-            <a:off x="5367885" y="986900"/>
-            <a:ext cx="2766480" cy="1652462"/>
-          </a:xfrm>
-          <a:prstGeom prst="straightConnector1">
-            <a:avLst/>
-          </a:prstGeom>
-          <a:ln w="38100">
-            <a:headEnd w="lg" len="lg"/>
-            <a:tailEnd type="triangle"/>
-          </a:ln>
-        </p:spPr>
-        <p:style>
-          <a:lnRef idx="1">
-            <a:schemeClr val="accent1"/>
-          </a:lnRef>
-          <a:fillRef idx="0">
-            <a:schemeClr val="accent1"/>
-          </a:fillRef>
-          <a:effectRef idx="0">
-            <a:schemeClr val="accent1"/>
-          </a:effectRef>
-          <a:fontRef idx="minor">
-            <a:schemeClr val="tx1"/>
-          </a:fontRef>
-        </p:style>
-      </p:cxnSp>
-      <p:grpSp>
-        <p:nvGrpSpPr>
-          <p:cNvPr id="211" name="그룹 210"/>
-          <p:cNvGrpSpPr/>
-          <p:nvPr/>
-        </p:nvGrpSpPr>
-        <p:grpSpPr>
-          <a:xfrm rot="16791279">
-            <a:off x="3696780" y="1918811"/>
-            <a:ext cx="465295" cy="429840"/>
-            <a:chOff x="5764817" y="2081712"/>
-            <a:chExt cx="465295" cy="429840"/>
-          </a:xfrm>
-        </p:grpSpPr>
-        <p:sp>
-          <p:nvSpPr>
-            <p:cNvPr id="212" name="타원 211"/>
-            <p:cNvSpPr/>
-            <p:nvPr/>
-          </p:nvSpPr>
-          <p:spPr>
-            <a:xfrm>
-              <a:off x="5764817" y="2081712"/>
-              <a:ext cx="254984" cy="254984"/>
-            </a:xfrm>
-            <a:prstGeom prst="ellipse">
-              <a:avLst/>
-            </a:prstGeom>
-            <a:solidFill>
-              <a:schemeClr val="accent1"/>
-            </a:solidFill>
-            <a:ln w="38100">
-              <a:solidFill>
-                <a:schemeClr val="accent1"/>
-              </a:solidFill>
-            </a:ln>
-          </p:spPr>
-          <p:style>
-            <a:lnRef idx="2">
-              <a:schemeClr val="accent1">
-                <a:shade val="50000"/>
-              </a:schemeClr>
-            </a:lnRef>
-            <a:fillRef idx="1">
-              <a:schemeClr val="accent1"/>
-            </a:fillRef>
-            <a:effectRef idx="0">
-              <a:schemeClr val="accent1"/>
-            </a:effectRef>
-            <a:fontRef idx="minor">
-              <a:schemeClr val="lt1"/>
-            </a:fontRef>
-          </p:style>
-          <p:txBody>
-            <a:bodyPr rtlCol="0" anchor="ctr"/>
-            <a:lstStyle/>
-            <a:p>
-              <a:pPr algn="ctr"/>
-              <a:endParaRPr lang="ko-KR" altLang="en-US"/>
-            </a:p>
-          </p:txBody>
-        </p:sp>
-        <p:cxnSp>
-          <p:nvCxnSpPr>
-            <p:cNvPr id="213" name="직선 연결선 212"/>
-            <p:cNvCxnSpPr>
-              <a:endCxn id="212" idx="5"/>
-            </p:cNvCxnSpPr>
-            <p:nvPr/>
-          </p:nvCxnSpPr>
-          <p:spPr>
-            <a:xfrm flipH="1" flipV="1">
-              <a:off x="5982459" y="2299354"/>
-              <a:ext cx="247653" cy="212198"/>
-            </a:xfrm>
-            <a:prstGeom prst="line">
-              <a:avLst/>
-            </a:prstGeom>
-            <a:ln w="38100">
-              <a:headEnd type="stealth" w="lg" len="lg"/>
-            </a:ln>
-          </p:spPr>
-          <p:style>
-            <a:lnRef idx="1">
-              <a:schemeClr val="accent1"/>
-            </a:lnRef>
-            <a:fillRef idx="0">
-              <a:schemeClr val="accent1"/>
-            </a:fillRef>
-            <a:effectRef idx="0">
-              <a:schemeClr val="accent1"/>
-            </a:effectRef>
-            <a:fontRef idx="minor">
-              <a:schemeClr val="tx1"/>
-            </a:fontRef>
-          </p:style>
-        </p:cxnSp>
-      </p:grpSp>
-      <p:sp>
-        <p:nvSpPr>
-          <p:cNvPr id="214" name="TextBox 213"/>
-          <p:cNvSpPr txBox="1"/>
-          <p:nvPr/>
-        </p:nvSpPr>
-        <p:spPr>
-          <a:xfrm rot="18901443">
-            <a:off x="3774857" y="2200624"/>
-            <a:ext cx="798617" cy="430887"/>
-          </a:xfrm>
-          <a:prstGeom prst="rect">
-            <a:avLst/>
-          </a:prstGeom>
-          <a:noFill/>
-        </p:spPr>
-        <p:txBody>
-          <a:bodyPr wrap="none" rtlCol="0">
-            <a:spAutoFit/>
-          </a:bodyPr>
-          <a:lstStyle/>
-          <a:p>
-            <a:pPr algn="ctr"/>
-            <a:r>
-              <a:rPr lang="ko-KR" altLang="en-US" sz="1100" dirty="0"/>
-              <a:t>권한 확인</a:t>
-            </a:r>
-            <a:endParaRPr lang="en-US" altLang="ko-KR" sz="1100" dirty="0"/>
-          </a:p>
-          <a:p>
-            <a:pPr algn="ctr"/>
-            <a:r>
-              <a:rPr lang="ko-KR" altLang="en-US" sz="1100" dirty="0"/>
-              <a:t>정보</a:t>
-            </a:r>
-            <a:endParaRPr lang="ko-KR" altLang="en-US" sz="1600" dirty="0"/>
-          </a:p>
-        </p:txBody>
-      </p:sp>
-      <p:grpSp>
-        <p:nvGrpSpPr>
-          <p:cNvPr id="215" name="그룹 214"/>
-          <p:cNvGrpSpPr/>
-          <p:nvPr/>
-        </p:nvGrpSpPr>
-        <p:grpSpPr>
-          <a:xfrm rot="21416685">
-            <a:off x="6626045" y="1398919"/>
-            <a:ext cx="465295" cy="429840"/>
-            <a:chOff x="5764817" y="2081712"/>
-            <a:chExt cx="465295" cy="429840"/>
-          </a:xfrm>
-        </p:grpSpPr>
-        <p:sp>
-          <p:nvSpPr>
-            <p:cNvPr id="216" name="타원 215"/>
-            <p:cNvSpPr/>
-            <p:nvPr/>
-          </p:nvSpPr>
-          <p:spPr>
-            <a:xfrm>
-              <a:off x="5764817" y="2081712"/>
-              <a:ext cx="254984" cy="254984"/>
-            </a:xfrm>
-            <a:prstGeom prst="ellipse">
-              <a:avLst/>
-            </a:prstGeom>
-            <a:solidFill>
-              <a:schemeClr val="accent1"/>
-            </a:solidFill>
-            <a:ln w="38100">
-              <a:solidFill>
-                <a:schemeClr val="accent1"/>
-              </a:solidFill>
-            </a:ln>
-          </p:spPr>
-          <p:style>
-            <a:lnRef idx="2">
-              <a:schemeClr val="accent1">
-                <a:shade val="50000"/>
-              </a:schemeClr>
-            </a:lnRef>
-            <a:fillRef idx="1">
-              <a:schemeClr val="accent1"/>
-            </a:fillRef>
-            <a:effectRef idx="0">
-              <a:schemeClr val="accent1"/>
-            </a:effectRef>
-            <a:fontRef idx="minor">
-              <a:schemeClr val="lt1"/>
-            </a:fontRef>
-          </p:style>
-          <p:txBody>
-            <a:bodyPr rtlCol="0" anchor="ctr"/>
-            <a:lstStyle/>
-            <a:p>
-              <a:pPr algn="ctr"/>
-              <a:endParaRPr lang="ko-KR" altLang="en-US"/>
-            </a:p>
-          </p:txBody>
-        </p:sp>
-        <p:cxnSp>
-          <p:nvCxnSpPr>
-            <p:cNvPr id="217" name="직선 연결선 216"/>
-            <p:cNvCxnSpPr>
-              <a:endCxn id="216" idx="5"/>
-            </p:cNvCxnSpPr>
-            <p:nvPr/>
-          </p:nvCxnSpPr>
-          <p:spPr>
-            <a:xfrm flipH="1" flipV="1">
-              <a:off x="5982459" y="2299354"/>
-              <a:ext cx="247653" cy="212198"/>
-            </a:xfrm>
-            <a:prstGeom prst="line">
-              <a:avLst/>
-            </a:prstGeom>
-            <a:ln w="38100">
-              <a:headEnd type="stealth" w="lg" len="lg"/>
-            </a:ln>
-          </p:spPr>
-          <p:style>
-            <a:lnRef idx="1">
-              <a:schemeClr val="accent1"/>
-            </a:lnRef>
-            <a:fillRef idx="0">
-              <a:schemeClr val="accent1"/>
-            </a:fillRef>
-            <a:effectRef idx="0">
-              <a:schemeClr val="accent1"/>
-            </a:effectRef>
-            <a:fontRef idx="minor">
-              <a:schemeClr val="tx1"/>
-            </a:fontRef>
-          </p:style>
-        </p:cxnSp>
-      </p:grpSp>
-      <p:sp>
-        <p:nvSpPr>
-          <p:cNvPr id="218" name="TextBox 217"/>
-          <p:cNvSpPr txBox="1"/>
-          <p:nvPr/>
-        </p:nvSpPr>
-        <p:spPr>
-          <a:xfrm rot="2373847">
-            <a:off x="6703156" y="1191881"/>
-            <a:ext cx="798617" cy="430887"/>
-          </a:xfrm>
-          <a:prstGeom prst="rect">
-            <a:avLst/>
-          </a:prstGeom>
-          <a:noFill/>
-        </p:spPr>
-        <p:txBody>
-          <a:bodyPr wrap="none" rtlCol="0">
-            <a:spAutoFit/>
-          </a:bodyPr>
-          <a:lstStyle/>
-          <a:p>
-            <a:pPr algn="ctr"/>
-            <a:r>
-              <a:rPr lang="ko-KR" altLang="en-US" sz="1100" dirty="0"/>
-              <a:t>권한 확인</a:t>
-            </a:r>
-            <a:endParaRPr lang="en-US" altLang="ko-KR" sz="1100" dirty="0"/>
-          </a:p>
-          <a:p>
-            <a:pPr algn="ctr"/>
-            <a:r>
-              <a:rPr lang="ko-KR" altLang="en-US" sz="1100" dirty="0"/>
-              <a:t>정보</a:t>
-            </a:r>
-            <a:endParaRPr lang="ko-KR" altLang="en-US" sz="1600" dirty="0"/>
           </a:p>
         </p:txBody>
       </p:sp>
@@ -5396,6 +4456,939 @@
     <p:extLst>
       <p:ext uri="{BB962C8B-B14F-4D97-AF65-F5344CB8AC3E}">
         <p14:creationId xmlns:p14="http://schemas.microsoft.com/office/powerpoint/2010/main" val="747199247"/>
+      </p:ext>
+    </p:extLst>
+  </p:cSld>
+  <p:clrMapOvr>
+    <a:masterClrMapping/>
+  </p:clrMapOvr>
+</p:sld>
+</file>
+
+<file path=ppt/slides/slide2.xml><?xml version="1.0" encoding="utf-8"?>
+<p:sld xmlns:a="http://schemas.openxmlformats.org/drawingml/2006/main" xmlns:r="http://schemas.openxmlformats.org/officeDocument/2006/relationships" xmlns:p="http://schemas.openxmlformats.org/presentationml/2006/main">
+  <p:cSld>
+    <p:spTree>
+      <p:nvGrpSpPr>
+        <p:cNvPr id="1" name=""/>
+        <p:cNvGrpSpPr/>
+        <p:nvPr/>
+      </p:nvGrpSpPr>
+      <p:grpSpPr>
+        <a:xfrm>
+          <a:off x="0" y="0"/>
+          <a:ext cx="0" cy="0"/>
+          <a:chOff x="0" y="0"/>
+          <a:chExt cx="0" cy="0"/>
+        </a:xfrm>
+      </p:grpSpPr>
+      <p:sp>
+        <p:nvSpPr>
+          <p:cNvPr id="4" name="직사각형 3"/>
+          <p:cNvSpPr/>
+          <p:nvPr/>
+        </p:nvSpPr>
+        <p:spPr>
+          <a:xfrm>
+            <a:off x="5122913" y="1159478"/>
+            <a:ext cx="1556992" cy="726131"/>
+          </a:xfrm>
+          <a:prstGeom prst="rect">
+            <a:avLst/>
+          </a:prstGeom>
+          <a:noFill/>
+          <a:ln w="31750">
+            <a:solidFill>
+              <a:schemeClr val="accent1">
+                <a:shade val="50000"/>
+              </a:schemeClr>
+            </a:solidFill>
+          </a:ln>
+        </p:spPr>
+        <p:style>
+          <a:lnRef idx="2">
+            <a:schemeClr val="accent1">
+              <a:shade val="50000"/>
+            </a:schemeClr>
+          </a:lnRef>
+          <a:fillRef idx="1">
+            <a:schemeClr val="accent1"/>
+          </a:fillRef>
+          <a:effectRef idx="0">
+            <a:schemeClr val="accent1"/>
+          </a:effectRef>
+          <a:fontRef idx="minor">
+            <a:schemeClr val="lt1"/>
+          </a:fontRef>
+        </p:style>
+        <p:txBody>
+          <a:bodyPr rtlCol="0" anchor="ctr"/>
+          <a:lstStyle/>
+          <a:p>
+            <a:pPr algn="ctr"/>
+            <a:r>
+              <a:rPr lang="ko-KR" altLang="en-US" sz="1100" dirty="0">
+                <a:solidFill>
+                  <a:schemeClr val="tx1"/>
+                </a:solidFill>
+              </a:rPr>
+              <a:t>강의 평가 질문 </a:t>
+            </a:r>
+            <a:r>
+              <a:rPr lang="ko-KR" altLang="en-US" sz="1100" dirty="0" smtClean="0">
+                <a:solidFill>
+                  <a:schemeClr val="tx1"/>
+                </a:solidFill>
+              </a:rPr>
+              <a:t>삭제</a:t>
+            </a:r>
+            <a:endParaRPr lang="en-US" altLang="ko-KR" sz="1100" dirty="0">
+              <a:solidFill>
+                <a:schemeClr val="tx1"/>
+              </a:solidFill>
+            </a:endParaRPr>
+          </a:p>
+        </p:txBody>
+      </p:sp>
+      <p:sp>
+        <p:nvSpPr>
+          <p:cNvPr id="5" name="직사각형 4"/>
+          <p:cNvSpPr/>
+          <p:nvPr/>
+        </p:nvSpPr>
+        <p:spPr>
+          <a:xfrm>
+            <a:off x="1829363" y="3407491"/>
+            <a:ext cx="1556992" cy="726131"/>
+          </a:xfrm>
+          <a:prstGeom prst="rect">
+            <a:avLst/>
+          </a:prstGeom>
+          <a:noFill/>
+          <a:ln w="31750">
+            <a:solidFill>
+              <a:schemeClr val="accent1">
+                <a:shade val="50000"/>
+              </a:schemeClr>
+            </a:solidFill>
+          </a:ln>
+        </p:spPr>
+        <p:style>
+          <a:lnRef idx="2">
+            <a:schemeClr val="accent1">
+              <a:shade val="50000"/>
+            </a:schemeClr>
+          </a:lnRef>
+          <a:fillRef idx="1">
+            <a:schemeClr val="accent1"/>
+          </a:fillRef>
+          <a:effectRef idx="0">
+            <a:schemeClr val="accent1"/>
+          </a:effectRef>
+          <a:fontRef idx="minor">
+            <a:schemeClr val="lt1"/>
+          </a:fontRef>
+        </p:style>
+        <p:txBody>
+          <a:bodyPr rtlCol="0" anchor="ctr"/>
+          <a:lstStyle/>
+          <a:p>
+            <a:pPr algn="ctr"/>
+            <a:r>
+              <a:rPr lang="ko-KR" altLang="en-US" sz="1100" dirty="0" smtClean="0">
+                <a:solidFill>
+                  <a:schemeClr val="tx1"/>
+                </a:solidFill>
+              </a:rPr>
+              <a:t>강의평가 질문 삭제 정보 입력</a:t>
+            </a:r>
+            <a:endParaRPr lang="en-US" altLang="ko-KR" sz="1100" dirty="0">
+              <a:solidFill>
+                <a:schemeClr val="tx1"/>
+              </a:solidFill>
+            </a:endParaRPr>
+          </a:p>
+        </p:txBody>
+      </p:sp>
+      <p:sp>
+        <p:nvSpPr>
+          <p:cNvPr id="6" name="직사각형 5"/>
+          <p:cNvSpPr/>
+          <p:nvPr/>
+        </p:nvSpPr>
+        <p:spPr>
+          <a:xfrm>
+            <a:off x="8416463" y="3468084"/>
+            <a:ext cx="1556992" cy="726131"/>
+          </a:xfrm>
+          <a:prstGeom prst="rect">
+            <a:avLst/>
+          </a:prstGeom>
+          <a:noFill/>
+          <a:ln w="31750">
+            <a:solidFill>
+              <a:schemeClr val="accent1">
+                <a:shade val="50000"/>
+              </a:schemeClr>
+            </a:solidFill>
+          </a:ln>
+        </p:spPr>
+        <p:style>
+          <a:lnRef idx="2">
+            <a:schemeClr val="accent1">
+              <a:shade val="50000"/>
+            </a:schemeClr>
+          </a:lnRef>
+          <a:fillRef idx="1">
+            <a:schemeClr val="accent1"/>
+          </a:fillRef>
+          <a:effectRef idx="0">
+            <a:schemeClr val="accent1"/>
+          </a:effectRef>
+          <a:fontRef idx="minor">
+            <a:schemeClr val="lt1"/>
+          </a:fontRef>
+        </p:style>
+        <p:txBody>
+          <a:bodyPr rtlCol="0" anchor="ctr"/>
+          <a:lstStyle/>
+          <a:p>
+            <a:pPr algn="ctr"/>
+            <a:r>
+              <a:rPr lang="ko-KR" altLang="en-US" sz="1100" dirty="0">
+                <a:solidFill>
+                  <a:schemeClr val="tx1"/>
+                </a:solidFill>
+              </a:rPr>
+              <a:t>강의 평가 질문 </a:t>
+            </a:r>
+            <a:r>
+              <a:rPr lang="ko-KR" altLang="en-US" sz="1100" dirty="0" smtClean="0">
+                <a:solidFill>
+                  <a:schemeClr val="tx1"/>
+                </a:solidFill>
+              </a:rPr>
+              <a:t>삭제 결과 출력</a:t>
+            </a:r>
+            <a:endParaRPr lang="en-US" altLang="ko-KR" sz="1100" dirty="0">
+              <a:solidFill>
+                <a:schemeClr val="tx1"/>
+              </a:solidFill>
+            </a:endParaRPr>
+          </a:p>
+        </p:txBody>
+      </p:sp>
+      <p:sp>
+        <p:nvSpPr>
+          <p:cNvPr id="7" name="직사각형 6"/>
+          <p:cNvSpPr/>
+          <p:nvPr/>
+        </p:nvSpPr>
+        <p:spPr>
+          <a:xfrm>
+            <a:off x="5122913" y="3468085"/>
+            <a:ext cx="1556992" cy="726131"/>
+          </a:xfrm>
+          <a:prstGeom prst="rect">
+            <a:avLst/>
+          </a:prstGeom>
+          <a:noFill/>
+          <a:ln w="31750">
+            <a:solidFill>
+              <a:schemeClr val="accent1">
+                <a:shade val="50000"/>
+              </a:schemeClr>
+            </a:solidFill>
+          </a:ln>
+        </p:spPr>
+        <p:style>
+          <a:lnRef idx="2">
+            <a:schemeClr val="accent1">
+              <a:shade val="50000"/>
+            </a:schemeClr>
+          </a:lnRef>
+          <a:fillRef idx="1">
+            <a:schemeClr val="accent1"/>
+          </a:fillRef>
+          <a:effectRef idx="0">
+            <a:schemeClr val="accent1"/>
+          </a:effectRef>
+          <a:fontRef idx="minor">
+            <a:schemeClr val="lt1"/>
+          </a:fontRef>
+        </p:style>
+        <p:txBody>
+          <a:bodyPr rtlCol="0" anchor="ctr"/>
+          <a:lstStyle/>
+          <a:p>
+            <a:pPr algn="ctr"/>
+            <a:r>
+              <a:rPr lang="ko-KR" altLang="en-US" sz="1100" dirty="0">
+                <a:solidFill>
+                  <a:schemeClr val="tx1"/>
+                </a:solidFill>
+              </a:rPr>
+              <a:t>강의 평가 질문 </a:t>
+            </a:r>
+            <a:r>
+              <a:rPr lang="ko-KR" altLang="en-US" sz="1100" dirty="0" smtClean="0">
+                <a:solidFill>
+                  <a:schemeClr val="tx1"/>
+                </a:solidFill>
+              </a:rPr>
+              <a:t>삭제 처리</a:t>
+            </a:r>
+            <a:endParaRPr lang="en-US" altLang="ko-KR" sz="1100" dirty="0">
+              <a:solidFill>
+                <a:schemeClr val="tx1"/>
+              </a:solidFill>
+            </a:endParaRPr>
+          </a:p>
+        </p:txBody>
+      </p:sp>
+      <p:cxnSp>
+        <p:nvCxnSpPr>
+          <p:cNvPr id="8" name="직선 화살표 연결선 7"/>
+          <p:cNvCxnSpPr>
+            <a:stCxn id="4" idx="2"/>
+            <a:endCxn id="5" idx="0"/>
+          </p:cNvCxnSpPr>
+          <p:nvPr/>
+        </p:nvCxnSpPr>
+        <p:spPr>
+          <a:xfrm flipH="1">
+            <a:off x="2607859" y="1885609"/>
+            <a:ext cx="3293550" cy="1521882"/>
+          </a:xfrm>
+          <a:prstGeom prst="straightConnector1">
+            <a:avLst/>
+          </a:prstGeom>
+          <a:ln w="38100">
+            <a:headEnd w="lg" len="lg"/>
+            <a:tailEnd type="triangle"/>
+          </a:ln>
+        </p:spPr>
+        <p:style>
+          <a:lnRef idx="1">
+            <a:schemeClr val="accent1"/>
+          </a:lnRef>
+          <a:fillRef idx="0">
+            <a:schemeClr val="accent1"/>
+          </a:fillRef>
+          <a:effectRef idx="0">
+            <a:schemeClr val="accent1"/>
+          </a:effectRef>
+          <a:fontRef idx="minor">
+            <a:schemeClr val="tx1"/>
+          </a:fontRef>
+        </p:style>
+      </p:cxnSp>
+      <p:cxnSp>
+        <p:nvCxnSpPr>
+          <p:cNvPr id="11" name="직선 화살표 연결선 10"/>
+          <p:cNvCxnSpPr>
+            <a:stCxn id="4" idx="2"/>
+            <a:endCxn id="7" idx="0"/>
+          </p:cNvCxnSpPr>
+          <p:nvPr/>
+        </p:nvCxnSpPr>
+        <p:spPr>
+          <a:xfrm>
+            <a:off x="5901409" y="1885609"/>
+            <a:ext cx="0" cy="1582476"/>
+          </a:xfrm>
+          <a:prstGeom prst="straightConnector1">
+            <a:avLst/>
+          </a:prstGeom>
+          <a:ln w="38100">
+            <a:headEnd w="lg" len="lg"/>
+            <a:tailEnd type="triangle"/>
+          </a:ln>
+        </p:spPr>
+        <p:style>
+          <a:lnRef idx="1">
+            <a:schemeClr val="accent1"/>
+          </a:lnRef>
+          <a:fillRef idx="0">
+            <a:schemeClr val="accent1"/>
+          </a:fillRef>
+          <a:effectRef idx="0">
+            <a:schemeClr val="accent1"/>
+          </a:effectRef>
+          <a:fontRef idx="minor">
+            <a:schemeClr val="tx1"/>
+          </a:fontRef>
+        </p:style>
+      </p:cxnSp>
+      <p:cxnSp>
+        <p:nvCxnSpPr>
+          <p:cNvPr id="14" name="직선 화살표 연결선 13"/>
+          <p:cNvCxnSpPr>
+            <a:stCxn id="4" idx="2"/>
+            <a:endCxn id="6" idx="0"/>
+          </p:cNvCxnSpPr>
+          <p:nvPr/>
+        </p:nvCxnSpPr>
+        <p:spPr>
+          <a:xfrm>
+            <a:off x="5901409" y="1885609"/>
+            <a:ext cx="3293550" cy="1582475"/>
+          </a:xfrm>
+          <a:prstGeom prst="straightConnector1">
+            <a:avLst/>
+          </a:prstGeom>
+          <a:ln w="38100">
+            <a:headEnd w="lg" len="lg"/>
+            <a:tailEnd type="triangle"/>
+          </a:ln>
+        </p:spPr>
+        <p:style>
+          <a:lnRef idx="1">
+            <a:schemeClr val="accent1"/>
+          </a:lnRef>
+          <a:fillRef idx="0">
+            <a:schemeClr val="accent1"/>
+          </a:fillRef>
+          <a:effectRef idx="0">
+            <a:schemeClr val="accent1"/>
+          </a:effectRef>
+          <a:fontRef idx="minor">
+            <a:schemeClr val="tx1"/>
+          </a:fontRef>
+        </p:style>
+      </p:cxnSp>
+      <p:grpSp>
+        <p:nvGrpSpPr>
+          <p:cNvPr id="20" name="그룹 19"/>
+          <p:cNvGrpSpPr/>
+          <p:nvPr/>
+        </p:nvGrpSpPr>
+        <p:grpSpPr>
+          <a:xfrm rot="17424334">
+            <a:off x="3536639" y="2322030"/>
+            <a:ext cx="465295" cy="429840"/>
+            <a:chOff x="5764817" y="2081712"/>
+            <a:chExt cx="465295" cy="429840"/>
+          </a:xfrm>
+        </p:grpSpPr>
+        <p:sp>
+          <p:nvSpPr>
+            <p:cNvPr id="21" name="타원 20"/>
+            <p:cNvSpPr/>
+            <p:nvPr/>
+          </p:nvSpPr>
+          <p:spPr>
+            <a:xfrm>
+              <a:off x="5764817" y="2081712"/>
+              <a:ext cx="254984" cy="254984"/>
+            </a:xfrm>
+            <a:prstGeom prst="ellipse">
+              <a:avLst/>
+            </a:prstGeom>
+            <a:noFill/>
+            <a:ln w="38100">
+              <a:solidFill>
+                <a:schemeClr val="accent1"/>
+              </a:solidFill>
+            </a:ln>
+          </p:spPr>
+          <p:style>
+            <a:lnRef idx="2">
+              <a:schemeClr val="accent1">
+                <a:shade val="50000"/>
+              </a:schemeClr>
+            </a:lnRef>
+            <a:fillRef idx="1">
+              <a:schemeClr val="accent1"/>
+            </a:fillRef>
+            <a:effectRef idx="0">
+              <a:schemeClr val="accent1"/>
+            </a:effectRef>
+            <a:fontRef idx="minor">
+              <a:schemeClr val="lt1"/>
+            </a:fontRef>
+          </p:style>
+          <p:txBody>
+            <a:bodyPr rtlCol="0" anchor="ctr"/>
+            <a:lstStyle/>
+            <a:p>
+              <a:pPr algn="ctr"/>
+              <a:endParaRPr lang="ko-KR" altLang="en-US"/>
+            </a:p>
+          </p:txBody>
+        </p:sp>
+        <p:cxnSp>
+          <p:nvCxnSpPr>
+            <p:cNvPr id="22" name="직선 연결선 21"/>
+            <p:cNvCxnSpPr>
+              <a:endCxn id="21" idx="5"/>
+            </p:cNvCxnSpPr>
+            <p:nvPr/>
+          </p:nvCxnSpPr>
+          <p:spPr>
+            <a:xfrm flipH="1" flipV="1">
+              <a:off x="5982459" y="2299354"/>
+              <a:ext cx="247653" cy="212198"/>
+            </a:xfrm>
+            <a:prstGeom prst="line">
+              <a:avLst/>
+            </a:prstGeom>
+            <a:ln w="38100">
+              <a:headEnd type="stealth" w="lg" len="lg"/>
+            </a:ln>
+          </p:spPr>
+          <p:style>
+            <a:lnRef idx="1">
+              <a:schemeClr val="accent1"/>
+            </a:lnRef>
+            <a:fillRef idx="0">
+              <a:schemeClr val="accent1"/>
+            </a:fillRef>
+            <a:effectRef idx="0">
+              <a:schemeClr val="accent1"/>
+            </a:effectRef>
+            <a:fontRef idx="minor">
+              <a:schemeClr val="tx1"/>
+            </a:fontRef>
+          </p:style>
+        </p:cxnSp>
+      </p:grpSp>
+      <p:sp>
+        <p:nvSpPr>
+          <p:cNvPr id="23" name="TextBox 22"/>
+          <p:cNvSpPr txBox="1"/>
+          <p:nvPr/>
+        </p:nvSpPr>
+        <p:spPr>
+          <a:xfrm rot="19759131">
+            <a:off x="2530195" y="2256228"/>
+            <a:ext cx="2064041" cy="261610"/>
+          </a:xfrm>
+          <a:prstGeom prst="rect">
+            <a:avLst/>
+          </a:prstGeom>
+          <a:noFill/>
+        </p:spPr>
+        <p:txBody>
+          <a:bodyPr wrap="square" rtlCol="0">
+            <a:spAutoFit/>
+          </a:bodyPr>
+          <a:lstStyle/>
+          <a:p>
+            <a:r>
+              <a:rPr lang="ko-KR" altLang="en-US" sz="1100" dirty="0"/>
+              <a:t>강의 평가 질문 삭제 정보</a:t>
+            </a:r>
+            <a:endParaRPr lang="ko-KR" altLang="en-US" sz="1600" dirty="0"/>
+          </a:p>
+        </p:txBody>
+      </p:sp>
+      <p:grpSp>
+        <p:nvGrpSpPr>
+          <p:cNvPr id="24" name="그룹 23"/>
+          <p:cNvGrpSpPr/>
+          <p:nvPr/>
+        </p:nvGrpSpPr>
+        <p:grpSpPr>
+          <a:xfrm rot="2886699">
+            <a:off x="5472036" y="2542852"/>
+            <a:ext cx="465295" cy="429840"/>
+            <a:chOff x="5764817" y="2081712"/>
+            <a:chExt cx="465295" cy="429840"/>
+          </a:xfrm>
+        </p:grpSpPr>
+        <p:sp>
+          <p:nvSpPr>
+            <p:cNvPr id="25" name="타원 24"/>
+            <p:cNvSpPr/>
+            <p:nvPr/>
+          </p:nvSpPr>
+          <p:spPr>
+            <a:xfrm>
+              <a:off x="5764817" y="2081712"/>
+              <a:ext cx="254984" cy="254984"/>
+            </a:xfrm>
+            <a:prstGeom prst="ellipse">
+              <a:avLst/>
+            </a:prstGeom>
+            <a:noFill/>
+            <a:ln w="38100">
+              <a:solidFill>
+                <a:schemeClr val="accent1"/>
+              </a:solidFill>
+            </a:ln>
+          </p:spPr>
+          <p:style>
+            <a:lnRef idx="2">
+              <a:schemeClr val="accent1">
+                <a:shade val="50000"/>
+              </a:schemeClr>
+            </a:lnRef>
+            <a:fillRef idx="1">
+              <a:schemeClr val="accent1"/>
+            </a:fillRef>
+            <a:effectRef idx="0">
+              <a:schemeClr val="accent1"/>
+            </a:effectRef>
+            <a:fontRef idx="minor">
+              <a:schemeClr val="lt1"/>
+            </a:fontRef>
+          </p:style>
+          <p:txBody>
+            <a:bodyPr rtlCol="0" anchor="ctr"/>
+            <a:lstStyle/>
+            <a:p>
+              <a:pPr algn="ctr"/>
+              <a:endParaRPr lang="ko-KR" altLang="en-US"/>
+            </a:p>
+          </p:txBody>
+        </p:sp>
+        <p:cxnSp>
+          <p:nvCxnSpPr>
+            <p:cNvPr id="26" name="직선 연결선 25"/>
+            <p:cNvCxnSpPr>
+              <a:endCxn id="25" idx="5"/>
+            </p:cNvCxnSpPr>
+            <p:nvPr/>
+          </p:nvCxnSpPr>
+          <p:spPr>
+            <a:xfrm flipH="1" flipV="1">
+              <a:off x="5982459" y="2299354"/>
+              <a:ext cx="247653" cy="212198"/>
+            </a:xfrm>
+            <a:prstGeom prst="line">
+              <a:avLst/>
+            </a:prstGeom>
+            <a:ln w="38100">
+              <a:headEnd type="stealth" w="lg" len="lg"/>
+            </a:ln>
+          </p:spPr>
+          <p:style>
+            <a:lnRef idx="1">
+              <a:schemeClr val="accent1"/>
+            </a:lnRef>
+            <a:fillRef idx="0">
+              <a:schemeClr val="accent1"/>
+            </a:fillRef>
+            <a:effectRef idx="0">
+              <a:schemeClr val="accent1"/>
+            </a:effectRef>
+            <a:fontRef idx="minor">
+              <a:schemeClr val="tx1"/>
+            </a:fontRef>
+          </p:style>
+        </p:cxnSp>
+      </p:grpSp>
+      <p:sp>
+        <p:nvSpPr>
+          <p:cNvPr id="27" name="TextBox 26"/>
+          <p:cNvSpPr txBox="1"/>
+          <p:nvPr/>
+        </p:nvSpPr>
+        <p:spPr>
+          <a:xfrm rot="16200000">
+            <a:off x="4780003" y="2532974"/>
+            <a:ext cx="1221809" cy="430887"/>
+          </a:xfrm>
+          <a:prstGeom prst="rect">
+            <a:avLst/>
+          </a:prstGeom>
+          <a:noFill/>
+        </p:spPr>
+        <p:txBody>
+          <a:bodyPr wrap="none" rtlCol="0">
+            <a:spAutoFit/>
+          </a:bodyPr>
+          <a:lstStyle/>
+          <a:p>
+            <a:pPr algn="ctr"/>
+            <a:r>
+              <a:rPr lang="ko-KR" altLang="en-US" sz="1100" dirty="0"/>
+              <a:t>삭제할 강의평가</a:t>
+            </a:r>
+            <a:endParaRPr lang="en-US" altLang="ko-KR" sz="1100" dirty="0"/>
+          </a:p>
+          <a:p>
+            <a:pPr algn="ctr"/>
+            <a:r>
+              <a:rPr lang="ko-KR" altLang="en-US" sz="1100" dirty="0"/>
+              <a:t>질문 정보</a:t>
+            </a:r>
+            <a:endParaRPr lang="ko-KR" altLang="en-US" sz="1600" dirty="0"/>
+          </a:p>
+        </p:txBody>
+      </p:sp>
+      <p:grpSp>
+        <p:nvGrpSpPr>
+          <p:cNvPr id="28" name="그룹 27"/>
+          <p:cNvGrpSpPr/>
+          <p:nvPr/>
+        </p:nvGrpSpPr>
+        <p:grpSpPr>
+          <a:xfrm rot="13652400">
+            <a:off x="5901103" y="2586231"/>
+            <a:ext cx="465295" cy="429840"/>
+            <a:chOff x="5764817" y="2081712"/>
+            <a:chExt cx="465295" cy="429840"/>
+          </a:xfrm>
+        </p:grpSpPr>
+        <p:sp>
+          <p:nvSpPr>
+            <p:cNvPr id="29" name="타원 28"/>
+            <p:cNvSpPr/>
+            <p:nvPr/>
+          </p:nvSpPr>
+          <p:spPr>
+            <a:xfrm>
+              <a:off x="5764817" y="2081712"/>
+              <a:ext cx="254984" cy="254984"/>
+            </a:xfrm>
+            <a:prstGeom prst="ellipse">
+              <a:avLst/>
+            </a:prstGeom>
+            <a:solidFill>
+              <a:schemeClr val="accent1"/>
+            </a:solidFill>
+            <a:ln w="38100">
+              <a:solidFill>
+                <a:schemeClr val="accent1"/>
+              </a:solidFill>
+            </a:ln>
+          </p:spPr>
+          <p:style>
+            <a:lnRef idx="2">
+              <a:schemeClr val="accent1">
+                <a:shade val="50000"/>
+              </a:schemeClr>
+            </a:lnRef>
+            <a:fillRef idx="1">
+              <a:schemeClr val="accent1"/>
+            </a:fillRef>
+            <a:effectRef idx="0">
+              <a:schemeClr val="accent1"/>
+            </a:effectRef>
+            <a:fontRef idx="minor">
+              <a:schemeClr val="lt1"/>
+            </a:fontRef>
+          </p:style>
+          <p:txBody>
+            <a:bodyPr rtlCol="0" anchor="ctr"/>
+            <a:lstStyle/>
+            <a:p>
+              <a:pPr algn="ctr"/>
+              <a:endParaRPr lang="ko-KR" altLang="en-US"/>
+            </a:p>
+          </p:txBody>
+        </p:sp>
+        <p:cxnSp>
+          <p:nvCxnSpPr>
+            <p:cNvPr id="30" name="직선 연결선 29"/>
+            <p:cNvCxnSpPr>
+              <a:endCxn id="29" idx="5"/>
+            </p:cNvCxnSpPr>
+            <p:nvPr/>
+          </p:nvCxnSpPr>
+          <p:spPr>
+            <a:xfrm flipH="1" flipV="1">
+              <a:off x="5982459" y="2299354"/>
+              <a:ext cx="247653" cy="212198"/>
+            </a:xfrm>
+            <a:prstGeom prst="line">
+              <a:avLst/>
+            </a:prstGeom>
+            <a:ln w="38100">
+              <a:headEnd type="stealth" w="lg" len="lg"/>
+            </a:ln>
+          </p:spPr>
+          <p:style>
+            <a:lnRef idx="1">
+              <a:schemeClr val="accent1"/>
+            </a:lnRef>
+            <a:fillRef idx="0">
+              <a:schemeClr val="accent1"/>
+            </a:fillRef>
+            <a:effectRef idx="0">
+              <a:schemeClr val="accent1"/>
+            </a:effectRef>
+            <a:fontRef idx="minor">
+              <a:schemeClr val="tx1"/>
+            </a:fontRef>
+          </p:style>
+        </p:cxnSp>
+      </p:grpSp>
+      <p:sp>
+        <p:nvSpPr>
+          <p:cNvPr id="31" name="TextBox 30"/>
+          <p:cNvSpPr txBox="1"/>
+          <p:nvPr/>
+        </p:nvSpPr>
+        <p:spPr>
+          <a:xfrm rot="5400000">
+            <a:off x="5890618" y="2662576"/>
+            <a:ext cx="1180130" cy="430887"/>
+          </a:xfrm>
+          <a:prstGeom prst="rect">
+            <a:avLst/>
+          </a:prstGeom>
+          <a:noFill/>
+        </p:spPr>
+        <p:txBody>
+          <a:bodyPr wrap="none" rtlCol="0">
+            <a:spAutoFit/>
+          </a:bodyPr>
+          <a:lstStyle/>
+          <a:p>
+            <a:pPr algn="ctr"/>
+            <a:r>
+              <a:rPr lang="ko-KR" altLang="en-US" sz="1100" dirty="0"/>
+              <a:t>강의 평가 질문 </a:t>
+            </a:r>
+            <a:endParaRPr lang="en-US" altLang="ko-KR" sz="1100" dirty="0" smtClean="0"/>
+          </a:p>
+          <a:p>
+            <a:pPr algn="ctr"/>
+            <a:r>
+              <a:rPr lang="ko-KR" altLang="en-US" sz="1100" dirty="0" smtClean="0"/>
+              <a:t>삭제 </a:t>
+            </a:r>
+            <a:r>
+              <a:rPr lang="ko-KR" altLang="en-US" sz="1100" dirty="0"/>
+              <a:t>성공 여부</a:t>
+            </a:r>
+            <a:endParaRPr lang="ko-KR" altLang="en-US" sz="1600" dirty="0"/>
+          </a:p>
+        </p:txBody>
+      </p:sp>
+      <p:grpSp>
+        <p:nvGrpSpPr>
+          <p:cNvPr id="32" name="그룹 31"/>
+          <p:cNvGrpSpPr/>
+          <p:nvPr/>
+        </p:nvGrpSpPr>
+        <p:grpSpPr>
+          <a:xfrm rot="21288677">
+            <a:off x="7690178" y="2360384"/>
+            <a:ext cx="465295" cy="429840"/>
+            <a:chOff x="5764817" y="2081712"/>
+            <a:chExt cx="465295" cy="429840"/>
+          </a:xfrm>
+        </p:grpSpPr>
+        <p:sp>
+          <p:nvSpPr>
+            <p:cNvPr id="33" name="타원 32"/>
+            <p:cNvSpPr/>
+            <p:nvPr/>
+          </p:nvSpPr>
+          <p:spPr>
+            <a:xfrm>
+              <a:off x="5764817" y="2081712"/>
+              <a:ext cx="254984" cy="254984"/>
+            </a:xfrm>
+            <a:prstGeom prst="ellipse">
+              <a:avLst/>
+            </a:prstGeom>
+            <a:noFill/>
+            <a:ln w="38100">
+              <a:solidFill>
+                <a:schemeClr val="accent1"/>
+              </a:solidFill>
+            </a:ln>
+          </p:spPr>
+          <p:style>
+            <a:lnRef idx="2">
+              <a:schemeClr val="accent1">
+                <a:shade val="50000"/>
+              </a:schemeClr>
+            </a:lnRef>
+            <a:fillRef idx="1">
+              <a:schemeClr val="accent1"/>
+            </a:fillRef>
+            <a:effectRef idx="0">
+              <a:schemeClr val="accent1"/>
+            </a:effectRef>
+            <a:fontRef idx="minor">
+              <a:schemeClr val="lt1"/>
+            </a:fontRef>
+          </p:style>
+          <p:txBody>
+            <a:bodyPr rtlCol="0" anchor="ctr"/>
+            <a:lstStyle/>
+            <a:p>
+              <a:pPr algn="ctr"/>
+              <a:endParaRPr lang="ko-KR" altLang="en-US"/>
+            </a:p>
+          </p:txBody>
+        </p:sp>
+        <p:cxnSp>
+          <p:nvCxnSpPr>
+            <p:cNvPr id="34" name="직선 연결선 33"/>
+            <p:cNvCxnSpPr>
+              <a:endCxn id="33" idx="5"/>
+            </p:cNvCxnSpPr>
+            <p:nvPr/>
+          </p:nvCxnSpPr>
+          <p:spPr>
+            <a:xfrm flipH="1" flipV="1">
+              <a:off x="5982459" y="2299354"/>
+              <a:ext cx="247653" cy="212198"/>
+            </a:xfrm>
+            <a:prstGeom prst="line">
+              <a:avLst/>
+            </a:prstGeom>
+            <a:ln w="38100">
+              <a:headEnd type="stealth" w="lg" len="lg"/>
+            </a:ln>
+          </p:spPr>
+          <p:style>
+            <a:lnRef idx="1">
+              <a:schemeClr val="accent1"/>
+            </a:lnRef>
+            <a:fillRef idx="0">
+              <a:schemeClr val="accent1"/>
+            </a:fillRef>
+            <a:effectRef idx="0">
+              <a:schemeClr val="accent1"/>
+            </a:effectRef>
+            <a:fontRef idx="minor">
+              <a:schemeClr val="tx1"/>
+            </a:fontRef>
+          </p:style>
+        </p:cxnSp>
+      </p:grpSp>
+      <p:sp>
+        <p:nvSpPr>
+          <p:cNvPr id="35" name="TextBox 34"/>
+          <p:cNvSpPr txBox="1"/>
+          <p:nvPr/>
+        </p:nvSpPr>
+        <p:spPr>
+          <a:xfrm rot="2079433">
+            <a:off x="7722097" y="2284085"/>
+            <a:ext cx="798617" cy="261610"/>
+          </a:xfrm>
+          <a:prstGeom prst="rect">
+            <a:avLst/>
+          </a:prstGeom>
+          <a:noFill/>
+        </p:spPr>
+        <p:txBody>
+          <a:bodyPr wrap="none" rtlCol="0">
+            <a:spAutoFit/>
+          </a:bodyPr>
+          <a:lstStyle/>
+          <a:p>
+            <a:r>
+              <a:rPr lang="ko-KR" altLang="en-US" sz="1100" dirty="0"/>
+              <a:t>삭제 결과</a:t>
+            </a:r>
+            <a:endParaRPr lang="ko-KR" altLang="en-US" sz="1600" dirty="0"/>
+          </a:p>
+        </p:txBody>
+      </p:sp>
+    </p:spTree>
+    <p:extLst>
+      <p:ext uri="{BB962C8B-B14F-4D97-AF65-F5344CB8AC3E}">
+        <p14:creationId xmlns:p14="http://schemas.microsoft.com/office/powerpoint/2010/main" val="630437929"/>
       </p:ext>
     </p:extLst>
   </p:cSld>
